--- a/People/2023届硕士研究生/李亚慧/2024-7-25-李亚慧.pptx
+++ b/People/2023届硕士研究生/李亚慧/2024-7-25-李亚慧.pptx
@@ -6658,6 +6658,7 @@
               <a:rPr lang="zh-CN"/>
               <a:t>。</a:t>
             </a:r>
+            <a:endParaRPr lang="zh-CN"/>
           </a:p>
           <a:p>
             <a:endParaRPr lang="zh-CN" altLang="en-US"/>
@@ -10337,7 +10338,7 @@
                     <a:ea typeface="微软雅黑" panose="020B0503020204020204" pitchFamily="34" charset="-122"/>
                     <a:sym typeface="+mn-ea"/>
                   </a:rPr>
-                  <a:t>GENEFACE</a:t>
+                  <a:t>EmoTalk</a:t>
                 </a:r>
                 <a:endParaRPr lang="en-US" altLang="zh-CN" sz="1200" dirty="0">
                   <a:solidFill>
@@ -14021,7 +14022,7 @@
                     <a:ea typeface="微软雅黑" panose="020B0503020204020204" pitchFamily="34" charset="-122"/>
                     <a:sym typeface="+mn-ea"/>
                   </a:rPr>
-                  <a:t>GENEFACE</a:t>
+                  <a:t>EmoTalk</a:t>
                 </a:r>
                 <a:endParaRPr lang="en-US" altLang="zh-CN" sz="1200" dirty="0">
                   <a:solidFill>
@@ -15882,6 +15883,7 @@
               <a:rPr lang="zh-CN"/>
               <a:t>。</a:t>
             </a:r>
+            <a:endParaRPr lang="zh-CN"/>
           </a:p>
           <a:p>
             <a:endParaRPr lang="zh-CN" altLang="en-US"/>
